--- a/September 11 Presentation.pptx
+++ b/September 11 Presentation.pptx
@@ -3185,10 +3185,18 @@
           <a:lstStyle/>
           <a:p>
             <a:r>
-              <a:rPr lang="en-CA" dirty="0" smtClean="0"/>
+              <a:rPr lang="en-CA" b="1" dirty="0" smtClean="0">
+                <a:solidFill>
+                  <a:srgbClr val="FF0000"/>
+                </a:solidFill>
+              </a:rPr>
               <a:t>The Hardware</a:t>
             </a:r>
-            <a:endParaRPr lang="en-CA" dirty="0"/>
+            <a:endParaRPr lang="en-CA" b="1" dirty="0">
+              <a:solidFill>
+                <a:srgbClr val="FF0000"/>
+              </a:solidFill>
+            </a:endParaRPr>
           </a:p>
         </p:txBody>
       </p:sp>
@@ -3290,10 +3298,18 @@
           <a:lstStyle/>
           <a:p>
             <a:r>
-              <a:rPr lang="en-CA" dirty="0" smtClean="0"/>
+              <a:rPr lang="en-CA" b="1" dirty="0" smtClean="0">
+                <a:solidFill>
+                  <a:srgbClr val="FF0000"/>
+                </a:solidFill>
+              </a:rPr>
               <a:t>The Idea</a:t>
             </a:r>
-            <a:endParaRPr lang="en-CA" dirty="0"/>
+            <a:endParaRPr lang="en-CA" b="1" dirty="0">
+              <a:solidFill>
+                <a:srgbClr val="FF0000"/>
+              </a:solidFill>
+            </a:endParaRPr>
           </a:p>
         </p:txBody>
       </p:sp>
@@ -3471,6 +3487,13 @@
   <p:clrMapOvr>
     <a:masterClrMapping/>
   </p:clrMapOvr>
+  <p:timing>
+    <p:tnLst>
+      <p:par>
+        <p:cTn id="1" dur="indefinite" restart="never" nodeType="tmRoot"/>
+      </p:par>
+    </p:tnLst>
+  </p:timing>
 </p:sld>
 </file>
 
@@ -3507,31 +3530,76 @@
           <a:lstStyle/>
           <a:p>
             <a:r>
+              <a:rPr lang="en-CA" b="1" dirty="0" smtClean="0">
+                <a:solidFill>
+                  <a:srgbClr val="FF0000"/>
+                </a:solidFill>
+              </a:rPr>
+              <a:t>The Software</a:t>
+            </a:r>
+            <a:endParaRPr lang="en-CA" b="1" dirty="0">
+              <a:solidFill>
+                <a:srgbClr val="FF0000"/>
+              </a:solidFill>
+            </a:endParaRPr>
+          </a:p>
+        </p:txBody>
+      </p:sp>
+      <p:sp>
+        <p:nvSpPr>
+          <p:cNvPr id="3" name="Content Placeholder 2"/>
+          <p:cNvSpPr>
+            <a:spLocks noGrp="1"/>
+          </p:cNvSpPr>
+          <p:nvPr>
+            <p:ph idx="1"/>
+          </p:nvPr>
+        </p:nvSpPr>
+        <p:spPr>
+          <a:xfrm>
+            <a:off x="457200" y="1219200"/>
+            <a:ext cx="8229600" cy="4906963"/>
+          </a:xfrm>
+        </p:spPr>
+        <p:txBody>
+          <a:bodyPr>
+            <a:normAutofit fontScale="92500"/>
+          </a:bodyPr>
+          <a:lstStyle/>
+          <a:p>
+            <a:r>
               <a:rPr lang="en-CA" dirty="0" smtClean="0"/>
-              <a:t>The Software</a:t>
-            </a:r>
-            <a:endParaRPr lang="en-CA" dirty="0"/>
-          </a:p>
-        </p:txBody>
-      </p:sp>
-      <p:sp>
-        <p:nvSpPr>
-          <p:cNvPr id="3" name="Content Placeholder 2"/>
-          <p:cNvSpPr>
-            <a:spLocks noGrp="1"/>
-          </p:cNvSpPr>
-          <p:nvPr>
-            <p:ph idx="1"/>
-          </p:nvPr>
-        </p:nvSpPr>
-        <p:spPr/>
-        <p:txBody>
-          <a:bodyPr/>
-          <a:lstStyle/>
-          <a:p>
+              <a:t>The application will map finger information from the </a:t>
+            </a:r>
+            <a:r>
+              <a:rPr lang="en-CA" dirty="0" err="1" smtClean="0"/>
+              <a:t>ForcePad</a:t>
+            </a:r>
             <a:r>
               <a:rPr lang="en-CA" dirty="0" smtClean="0"/>
-              <a:t>Not sure what to put here…</a:t>
+              <a:t> to the relevant Puppet body part</a:t>
+            </a:r>
+          </a:p>
+          <a:p>
+            <a:r>
+              <a:rPr lang="en-CA" dirty="0" smtClean="0"/>
+              <a:t>Each finger’s pressure data will contro</a:t>
+            </a:r>
+            <a:r>
+              <a:rPr lang="en-CA" dirty="0" smtClean="0"/>
+              <a:t>l the relative position of the linked body part</a:t>
+            </a:r>
+          </a:p>
+          <a:p>
+            <a:r>
+              <a:rPr lang="en-CA" dirty="0" smtClean="0"/>
+              <a:t>The next step will be to identify right and left movements of the hand and move the puppet in those directions</a:t>
+            </a:r>
+          </a:p>
+          <a:p>
+            <a:r>
+              <a:rPr lang="en-CA" dirty="0" smtClean="0"/>
+              <a:t>Next we will record complete movement segments and automatically play when needed</a:t>
             </a:r>
             <a:endParaRPr lang="en-CA" dirty="0"/>
           </a:p>
@@ -3547,6 +3615,13 @@
   <p:clrMapOvr>
     <a:masterClrMapping/>
   </p:clrMapOvr>
+  <p:timing>
+    <p:tnLst>
+      <p:par>
+        <p:cTn id="1" dur="indefinite" restart="never" nodeType="tmRoot"/>
+      </p:par>
+    </p:tnLst>
+  </p:timing>
 </p:sld>
 </file>
 
@@ -3583,10 +3658,18 @@
           <a:lstStyle/>
           <a:p>
             <a:r>
-              <a:rPr lang="en-CA" dirty="0" smtClean="0"/>
-              <a:t>Pulling it all together</a:t>
-            </a:r>
-            <a:endParaRPr lang="en-CA" dirty="0"/>
+              <a:rPr lang="en-CA" b="1" dirty="0" smtClean="0">
+                <a:solidFill>
+                  <a:srgbClr val="FF0000"/>
+                </a:solidFill>
+              </a:rPr>
+              <a:t>Short Demo</a:t>
+            </a:r>
+            <a:endParaRPr lang="en-CA" b="1" dirty="0">
+              <a:solidFill>
+                <a:srgbClr val="FF0000"/>
+              </a:solidFill>
+            </a:endParaRPr>
           </a:p>
         </p:txBody>
       </p:sp>
@@ -3605,18 +3688,6 @@
           <a:bodyPr/>
           <a:lstStyle/>
           <a:p>
-            <a:r>
-              <a:rPr lang="en-CA" dirty="0" smtClean="0"/>
-              <a:t>See </a:t>
-            </a:r>
-            <a:r>
-              <a:rPr lang="en-CA" dirty="0" err="1" smtClean="0"/>
-              <a:t>Roiy’s</a:t>
-            </a:r>
-            <a:r>
-              <a:rPr lang="en-CA" dirty="0" smtClean="0"/>
-              <a:t> computer</a:t>
-            </a:r>
             <a:endParaRPr lang="en-CA" dirty="0"/>
           </a:p>
         </p:txBody>
@@ -3631,6 +3702,13 @@
   <p:clrMapOvr>
     <a:masterClrMapping/>
   </p:clrMapOvr>
+  <p:timing>
+    <p:tnLst>
+      <p:par>
+        <p:cTn id="1" dur="indefinite" restart="never" nodeType="tmRoot"/>
+      </p:par>
+    </p:tnLst>
+  </p:timing>
 </p:sld>
 </file>
 
